--- a/Elderly care.pptx
+++ b/Elderly care.pptx
@@ -14,10 +14,9 @@
     <p:sldId id="268" r:id="rId8"/>
     <p:sldId id="275" r:id="rId9"/>
     <p:sldId id="269" r:id="rId10"/>
-    <p:sldId id="270" r:id="rId11"/>
-    <p:sldId id="262" r:id="rId12"/>
-    <p:sldId id="263" r:id="rId13"/>
-    <p:sldId id="271" r:id="rId14"/>
+    <p:sldId id="262" r:id="rId11"/>
+    <p:sldId id="263" r:id="rId12"/>
+    <p:sldId id="271" r:id="rId13"/>
   </p:sldIdLst>
   <p:sldSz cx="12192000" cy="6858000"/>
   <p:notesSz cx="6858000" cy="9144000"/>
@@ -251,7 +250,7 @@
             <a:fld id="{978957DE-0A8A-9D44-8352-34BC09BF7234}" type="datetimeFigureOut">
               <a:rPr lang="en-US" smtClean="0"/>
               <a:pPr/>
-              <a:t>11/10/2022</a:t>
+              <a:t>11/12/2022</a:t>
             </a:fld>
             <a:endParaRPr lang="en-US" dirty="0"/>
           </a:p>
@@ -1504,7 +1503,7 @@
             <a:fld id="{978957DE-0A8A-9D44-8352-34BC09BF7234}" type="datetimeFigureOut">
               <a:rPr lang="en-US" smtClean="0"/>
               <a:pPr/>
-              <a:t>11/10/2022</a:t>
+              <a:t>11/12/2022</a:t>
             </a:fld>
             <a:endParaRPr lang="en-US" dirty="0"/>
           </a:p>
@@ -1956,7 +1955,7 @@
             <a:fld id="{978957DE-0A8A-9D44-8352-34BC09BF7234}" type="datetimeFigureOut">
               <a:rPr lang="en-US" smtClean="0"/>
               <a:pPr/>
-              <a:t>11/10/2022</a:t>
+              <a:t>11/12/2022</a:t>
             </a:fld>
             <a:endParaRPr lang="en-US" dirty="0"/>
           </a:p>
@@ -2552,7 +2551,7 @@
             <a:fld id="{978957DE-0A8A-9D44-8352-34BC09BF7234}" type="datetimeFigureOut">
               <a:rPr lang="en-US" smtClean="0"/>
               <a:pPr/>
-              <a:t>11/10/2022</a:t>
+              <a:t>11/12/2022</a:t>
             </a:fld>
             <a:endParaRPr lang="en-US" dirty="0"/>
           </a:p>
@@ -2850,7 +2849,7 @@
             <a:fld id="{978957DE-0A8A-9D44-8352-34BC09BF7234}" type="datetimeFigureOut">
               <a:rPr lang="en-US" smtClean="0"/>
               <a:pPr/>
-              <a:t>11/10/2022</a:t>
+              <a:t>11/12/2022</a:t>
             </a:fld>
             <a:endParaRPr lang="en-US" dirty="0"/>
           </a:p>
@@ -3767,7 +3766,7 @@
             <a:fld id="{978957DE-0A8A-9D44-8352-34BC09BF7234}" type="datetimeFigureOut">
               <a:rPr lang="en-US" smtClean="0"/>
               <a:pPr/>
-              <a:t>11/10/2022</a:t>
+              <a:t>11/12/2022</a:t>
             </a:fld>
             <a:endParaRPr lang="en-US" dirty="0"/>
           </a:p>
@@ -4348,10 +4347,126 @@
           <a:chExt cx="0" cy="0"/>
         </a:xfrm>
       </p:grpSpPr>
+      <p:pic>
+        <p:nvPicPr>
+          <p:cNvPr id="7" name="Content Placeholder 6">
+            <a:extLst>
+              <a:ext uri="{FF2B5EF4-FFF2-40B4-BE49-F238E27FC236}">
+                <a16:creationId xmlns:a16="http://schemas.microsoft.com/office/drawing/2014/main" id="{D09A3B56-32DC-CF40-9FF4-72A506142CFB}"/>
+              </a:ext>
+            </a:extLst>
+          </p:cNvPr>
+          <p:cNvPicPr>
+            <a:picLocks noGrp="1" noChangeAspect="1"/>
+          </p:cNvPicPr>
+          <p:nvPr>
+            <p:ph idx="14"/>
+          </p:nvPr>
+        </p:nvPicPr>
+        <p:blipFill>
+          <a:blip r:embed="rId2"/>
+          <a:stretch/>
+        </p:blipFill>
+        <p:spPr>
+          <a:ln>
+            <a:noFill/>
+          </a:ln>
+        </p:spPr>
+      </p:pic>
+      <p:sp>
+        <p:nvSpPr>
+          <p:cNvPr id="4" name="Content Placeholder 3">
+            <a:extLst>
+              <a:ext uri="{FF2B5EF4-FFF2-40B4-BE49-F238E27FC236}">
+                <a16:creationId xmlns:a16="http://schemas.microsoft.com/office/drawing/2014/main" id="{8F70CF54-6D20-8140-BB10-0DED576ACA32}"/>
+              </a:ext>
+            </a:extLst>
+          </p:cNvPr>
+          <p:cNvSpPr>
+            <a:spLocks noGrp="1"/>
+          </p:cNvSpPr>
+          <p:nvPr>
+            <p:ph idx="13"/>
+          </p:nvPr>
+        </p:nvSpPr>
+        <p:spPr/>
+        <p:txBody>
+          <a:bodyPr/>
+          <a:lstStyle/>
+          <a:p>
+            <a:pPr marL="285750" indent="-285750">
+              <a:buFont typeface="Wingdings" panose="05000000000000000000" pitchFamily="2" charset="2"/>
+              <a:buChar char="ü"/>
+            </a:pPr>
+            <a:r>
+              <a:rPr lang="en-US" dirty="0"/>
+              <a:t>Extend our work to different phase of Dementia like early, mid or final phase </a:t>
+            </a:r>
+          </a:p>
+          <a:p>
+            <a:pPr marL="285750" indent="-285750">
+              <a:buFont typeface="Wingdings" panose="05000000000000000000" pitchFamily="2" charset="2"/>
+              <a:buChar char="ü"/>
+            </a:pPr>
+            <a:r>
+              <a:rPr lang="en-US" dirty="0"/>
+              <a:t>Imply an add on for Doctors to collect more data to customize database for individual patient</a:t>
+            </a:r>
+          </a:p>
+          <a:p>
+            <a:pPr marL="285750" indent="-285750">
+              <a:buFont typeface="Wingdings" panose="05000000000000000000" pitchFamily="2" charset="2"/>
+              <a:buChar char="ü"/>
+            </a:pPr>
+            <a:r>
+              <a:rPr lang="en-US" dirty="0"/>
+              <a:t>Implement more interactive action for patient with VR to collect data for Parkinson’s disease</a:t>
+            </a:r>
+          </a:p>
+          <a:p>
+            <a:pPr marL="285750" indent="-285750">
+              <a:buFont typeface="Wingdings" panose="05000000000000000000" pitchFamily="2" charset="2"/>
+              <a:buChar char="ü"/>
+            </a:pPr>
+            <a:r>
+              <a:rPr lang="en-US" dirty="0"/>
+              <a:t>Extend Backend portion to add more transformer for further evaluation of disease </a:t>
+            </a:r>
+          </a:p>
+        </p:txBody>
+      </p:sp>
+      <p:sp>
+        <p:nvSpPr>
+          <p:cNvPr id="2" name="Text Placeholder 1">
+            <a:extLst>
+              <a:ext uri="{FF2B5EF4-FFF2-40B4-BE49-F238E27FC236}">
+                <a16:creationId xmlns:a16="http://schemas.microsoft.com/office/drawing/2014/main" id="{EF56D604-592D-AF8A-5A1C-983DE37C0227}"/>
+              </a:ext>
+            </a:extLst>
+          </p:cNvPr>
+          <p:cNvSpPr>
+            <a:spLocks noGrp="1"/>
+          </p:cNvSpPr>
+          <p:nvPr>
+            <p:ph type="body" sz="quarter" idx="15"/>
+          </p:nvPr>
+        </p:nvSpPr>
+        <p:spPr/>
+        <p:txBody>
+          <a:bodyPr/>
+          <a:lstStyle/>
+          <a:p>
+            <a:r>
+              <a:rPr lang="en-US" dirty="0"/>
+              <a:t>Conclusion</a:t>
+            </a:r>
+          </a:p>
+        </p:txBody>
+      </p:sp>
     </p:spTree>
     <p:extLst>
       <p:ext uri="{BB962C8B-B14F-4D97-AF65-F5344CB8AC3E}">
-        <p14:creationId xmlns:p14="http://schemas.microsoft.com/office/powerpoint/2010/main" val="3101312196"/>
+        <p14:creationId xmlns:p14="http://schemas.microsoft.com/office/powerpoint/2010/main" val="910283304"/>
       </p:ext>
     </p:extLst>
   </p:cSld>
@@ -4378,38 +4493,12 @@
           <a:chExt cx="0" cy="0"/>
         </a:xfrm>
       </p:grpSpPr>
-      <p:pic>
-        <p:nvPicPr>
-          <p:cNvPr id="7" name="Content Placeholder 6">
-            <a:extLst>
-              <a:ext uri="{FF2B5EF4-FFF2-40B4-BE49-F238E27FC236}">
-                <a16:creationId xmlns:a16="http://schemas.microsoft.com/office/drawing/2014/main" id="{D09A3B56-32DC-CF40-9FF4-72A506142CFB}"/>
-              </a:ext>
-            </a:extLst>
-          </p:cNvPr>
-          <p:cNvPicPr>
-            <a:picLocks noGrp="1" noChangeAspect="1"/>
-          </p:cNvPicPr>
-          <p:nvPr>
-            <p:ph idx="14"/>
-          </p:nvPr>
-        </p:nvPicPr>
-        <p:blipFill>
-          <a:blip r:embed="rId2"/>
-          <a:stretch/>
-        </p:blipFill>
-        <p:spPr>
-          <a:ln>
-            <a:noFill/>
-          </a:ln>
-        </p:spPr>
-      </p:pic>
-      <p:sp>
-        <p:nvSpPr>
-          <p:cNvPr id="4" name="Content Placeholder 3">
-            <a:extLst>
-              <a:ext uri="{FF2B5EF4-FFF2-40B4-BE49-F238E27FC236}">
-                <a16:creationId xmlns:a16="http://schemas.microsoft.com/office/drawing/2014/main" id="{8F70CF54-6D20-8140-BB10-0DED576ACA32}"/>
+      <p:sp>
+        <p:nvSpPr>
+          <p:cNvPr id="3" name="Content Placeholder 2">
+            <a:extLst>
+              <a:ext uri="{FF2B5EF4-FFF2-40B4-BE49-F238E27FC236}">
+                <a16:creationId xmlns:a16="http://schemas.microsoft.com/office/drawing/2014/main" id="{944B3B04-9415-4B4E-8790-C5807DB4F971}"/>
               </a:ext>
             </a:extLst>
           </p:cNvPr>
@@ -4417,7 +4506,7 @@
             <a:spLocks noGrp="1"/>
           </p:cNvSpPr>
           <p:nvPr>
-            <p:ph idx="13"/>
+            <p:ph idx="14"/>
           </p:nvPr>
         </p:nvSpPr>
         <p:spPr/>
@@ -4431,10 +4520,10 @@
       </p:sp>
       <p:sp>
         <p:nvSpPr>
-          <p:cNvPr id="2" name="Text Placeholder 1">
-            <a:extLst>
-              <a:ext uri="{FF2B5EF4-FFF2-40B4-BE49-F238E27FC236}">
-                <a16:creationId xmlns:a16="http://schemas.microsoft.com/office/drawing/2014/main" id="{EF56D604-592D-AF8A-5A1C-983DE37C0227}"/>
+          <p:cNvPr id="5" name="Text Placeholder 4">
+            <a:extLst>
+              <a:ext uri="{FF2B5EF4-FFF2-40B4-BE49-F238E27FC236}">
+                <a16:creationId xmlns:a16="http://schemas.microsoft.com/office/drawing/2014/main" id="{511FFC52-5F19-80D7-EECE-5C99FB6F76F9}"/>
               </a:ext>
             </a:extLst>
           </p:cNvPr>
@@ -4454,10 +4543,59 @@
           </a:p>
         </p:txBody>
       </p:sp>
+      <p:pic>
+        <p:nvPicPr>
+          <p:cNvPr id="1026" name="Picture 2" descr="Faith Stops at the Question Mark - Sandra Kennedy Ministries">
+            <a:extLst>
+              <a:ext uri="{FF2B5EF4-FFF2-40B4-BE49-F238E27FC236}">
+                <a16:creationId xmlns:a16="http://schemas.microsoft.com/office/drawing/2014/main" id="{E88DFB02-AC5E-4201-8A4E-41E849759529}"/>
+              </a:ext>
+            </a:extLst>
+          </p:cNvPr>
+          <p:cNvPicPr>
+            <a:picLocks noGrp="1" noChangeAspect="1" noChangeArrowheads="1"/>
+          </p:cNvPicPr>
+          <p:nvPr>
+            <p:ph idx="13"/>
+          </p:nvPr>
+        </p:nvPicPr>
+        <p:blipFill>
+          <a:blip r:embed="rId2">
+            <a:extLst>
+              <a:ext uri="{28A0092B-C50C-407E-A947-70E740481C1C}">
+                <a14:useLocalDpi xmlns:a14="http://schemas.microsoft.com/office/drawing/2010/main" val="0"/>
+              </a:ext>
+            </a:extLst>
+          </a:blip>
+          <a:srcRect/>
+          <a:stretch>
+            <a:fillRect/>
+          </a:stretch>
+        </p:blipFill>
+        <p:spPr bwMode="auto">
+          <a:xfrm>
+            <a:off x="593361" y="72603"/>
+            <a:ext cx="11191439" cy="5875505"/>
+          </a:xfrm>
+          <a:prstGeom prst="rect">
+            <a:avLst/>
+          </a:prstGeom>
+          <a:noFill/>
+          <a:extLst>
+            <a:ext uri="{909E8E84-426E-40DD-AFC4-6F175D3DCCD1}">
+              <a14:hiddenFill xmlns:a14="http://schemas.microsoft.com/office/drawing/2010/main">
+                <a:solidFill>
+                  <a:srgbClr val="FFFFFF"/>
+                </a:solidFill>
+              </a14:hiddenFill>
+            </a:ext>
+          </a:extLst>
+        </p:spPr>
+      </p:pic>
     </p:spTree>
     <p:extLst>
       <p:ext uri="{BB962C8B-B14F-4D97-AF65-F5344CB8AC3E}">
-        <p14:creationId xmlns:p14="http://schemas.microsoft.com/office/powerpoint/2010/main" val="910283304"/>
+        <p14:creationId xmlns:p14="http://schemas.microsoft.com/office/powerpoint/2010/main" val="1162013118"/>
       </p:ext>
     </p:extLst>
   </p:cSld>
@@ -4470,6 +4608,14 @@
 <file path=ppt/slides/slide12.xml><?xml version="1.0" encoding="utf-8"?>
 <p:sld xmlns:a="http://schemas.openxmlformats.org/drawingml/2006/main" xmlns:r="http://schemas.openxmlformats.org/officeDocument/2006/relationships" xmlns:p="http://schemas.openxmlformats.org/presentationml/2006/main">
   <p:cSld>
+    <p:bg>
+      <p:bgPr>
+        <a:solidFill>
+          <a:schemeClr val="bg1"/>
+        </a:solidFill>
+        <a:effectLst/>
+      </p:bgPr>
+    </p:bg>
     <p:spTree>
       <p:nvGrpSpPr>
         <p:cNvPr id="1" name=""/>
@@ -4484,111 +4630,144 @@
           <a:chExt cx="0" cy="0"/>
         </a:xfrm>
       </p:grpSpPr>
-      <p:sp>
-        <p:nvSpPr>
-          <p:cNvPr id="3" name="Content Placeholder 2">
-            <a:extLst>
-              <a:ext uri="{FF2B5EF4-FFF2-40B4-BE49-F238E27FC236}">
-                <a16:creationId xmlns:a16="http://schemas.microsoft.com/office/drawing/2014/main" id="{944B3B04-9415-4B4E-8790-C5807DB4F971}"/>
-              </a:ext>
-            </a:extLst>
-          </p:cNvPr>
-          <p:cNvSpPr>
-            <a:spLocks noGrp="1"/>
-          </p:cNvSpPr>
-          <p:nvPr>
-            <p:ph idx="14"/>
-          </p:nvPr>
-        </p:nvSpPr>
-        <p:spPr/>
-        <p:txBody>
-          <a:bodyPr/>
-          <a:lstStyle/>
-          <a:p>
-            <a:endParaRPr lang="en-US" dirty="0"/>
-          </a:p>
-        </p:txBody>
-      </p:sp>
-      <p:sp>
-        <p:nvSpPr>
-          <p:cNvPr id="4" name="Content Placeholder 3">
-            <a:extLst>
-              <a:ext uri="{FF2B5EF4-FFF2-40B4-BE49-F238E27FC236}">
-                <a16:creationId xmlns:a16="http://schemas.microsoft.com/office/drawing/2014/main" id="{8EE5A8E9-4996-524F-999E-96AD64483C71}"/>
-              </a:ext>
-            </a:extLst>
-          </p:cNvPr>
-          <p:cNvSpPr>
-            <a:spLocks noGrp="1"/>
-          </p:cNvSpPr>
-          <p:nvPr>
-            <p:ph idx="13"/>
-          </p:nvPr>
-        </p:nvSpPr>
-        <p:spPr/>
-        <p:txBody>
-          <a:bodyPr/>
-          <a:lstStyle/>
-          <a:p>
-            <a:endParaRPr lang="en-US" dirty="0"/>
-          </a:p>
-        </p:txBody>
-      </p:sp>
-      <p:sp>
-        <p:nvSpPr>
-          <p:cNvPr id="5" name="Text Placeholder 4">
-            <a:extLst>
-              <a:ext uri="{FF2B5EF4-FFF2-40B4-BE49-F238E27FC236}">
-                <a16:creationId xmlns:a16="http://schemas.microsoft.com/office/drawing/2014/main" id="{511FFC52-5F19-80D7-EECE-5C99FB6F76F9}"/>
-              </a:ext>
-            </a:extLst>
-          </p:cNvPr>
-          <p:cNvSpPr>
-            <a:spLocks noGrp="1"/>
-          </p:cNvSpPr>
-          <p:nvPr>
-            <p:ph type="body" sz="quarter" idx="15"/>
-          </p:nvPr>
-        </p:nvSpPr>
-        <p:spPr/>
-        <p:txBody>
-          <a:bodyPr/>
-          <a:lstStyle/>
-          <a:p>
-            <a:endParaRPr lang="en-US" dirty="0"/>
-          </a:p>
-        </p:txBody>
-      </p:sp>
-    </p:spTree>
-    <p:extLst>
-      <p:ext uri="{BB962C8B-B14F-4D97-AF65-F5344CB8AC3E}">
-        <p14:creationId xmlns:p14="http://schemas.microsoft.com/office/powerpoint/2010/main" val="1162013118"/>
-      </p:ext>
-    </p:extLst>
-  </p:cSld>
-  <p:clrMapOvr>
-    <a:masterClrMapping/>
-  </p:clrMapOvr>
-</p:sld>
-</file>
-
-<file path=ppt/slides/slide13.xml><?xml version="1.0" encoding="utf-8"?>
-<p:sld xmlns:a="http://schemas.openxmlformats.org/drawingml/2006/main" xmlns:r="http://schemas.openxmlformats.org/officeDocument/2006/relationships" xmlns:p="http://schemas.openxmlformats.org/presentationml/2006/main">
-  <p:cSld>
-    <p:spTree>
-      <p:nvGrpSpPr>
-        <p:cNvPr id="1" name=""/>
-        <p:cNvGrpSpPr/>
-        <p:nvPr/>
-      </p:nvGrpSpPr>
-      <p:grpSpPr>
-        <a:xfrm>
-          <a:off x="0" y="0"/>
-          <a:ext cx="0" cy="0"/>
-          <a:chOff x="0" y="0"/>
-          <a:chExt cx="0" cy="0"/>
-        </a:xfrm>
-      </p:grpSpPr>
+      <p:pic>
+        <p:nvPicPr>
+          <p:cNvPr id="2050" name="Picture 2" descr="Thank You Letter to Employees">
+            <a:extLst>
+              <a:ext uri="{FF2B5EF4-FFF2-40B4-BE49-F238E27FC236}">
+                <a16:creationId xmlns:a16="http://schemas.microsoft.com/office/drawing/2014/main" id="{6AD7976A-A9AD-7401-F161-4853554CB406}"/>
+              </a:ext>
+            </a:extLst>
+          </p:cNvPr>
+          <p:cNvPicPr>
+            <a:picLocks noChangeAspect="1" noChangeArrowheads="1"/>
+          </p:cNvPicPr>
+          <p:nvPr/>
+        </p:nvPicPr>
+        <p:blipFill rotWithShape="1">
+          <a:blip r:embed="rId2">
+            <a:extLst>
+              <a:ext uri="{28A0092B-C50C-407E-A947-70E740481C1C}">
+                <a14:useLocalDpi xmlns:a14="http://schemas.microsoft.com/office/drawing/2010/main" val="0"/>
+              </a:ext>
+            </a:extLst>
+          </a:blip>
+          <a:srcRect r="25096"/>
+          <a:stretch/>
+        </p:blipFill>
+        <p:spPr bwMode="auto">
+          <a:xfrm>
+            <a:off x="991027" y="956945"/>
+            <a:ext cx="4944107" cy="4944110"/>
+          </a:xfrm>
+          <a:custGeom>
+            <a:avLst/>
+            <a:gdLst/>
+            <a:ahLst/>
+            <a:cxnLst/>
+            <a:rect l="l" t="t" r="r" b="b"/>
+            <a:pathLst>
+              <a:path w="4627646" h="4627648">
+                <a:moveTo>
+                  <a:pt x="2313823" y="0"/>
+                </a:moveTo>
+                <a:cubicBezTo>
+                  <a:pt x="3591712" y="0"/>
+                  <a:pt x="4627646" y="1035934"/>
+                  <a:pt x="4627646" y="2313824"/>
+                </a:cubicBezTo>
+                <a:cubicBezTo>
+                  <a:pt x="4627646" y="3591714"/>
+                  <a:pt x="3591712" y="4627648"/>
+                  <a:pt x="2313823" y="4627648"/>
+                </a:cubicBezTo>
+                <a:cubicBezTo>
+                  <a:pt x="1035934" y="4627648"/>
+                  <a:pt x="0" y="3591714"/>
+                  <a:pt x="0" y="2313824"/>
+                </a:cubicBezTo>
+                <a:cubicBezTo>
+                  <a:pt x="0" y="1035934"/>
+                  <a:pt x="1035934" y="0"/>
+                  <a:pt x="2313823" y="0"/>
+                </a:cubicBezTo>
+                <a:close/>
+              </a:path>
+            </a:pathLst>
+          </a:custGeom>
+          <a:noFill/>
+          <a:extLst>
+            <a:ext uri="{909E8E84-426E-40DD-AFC4-6F175D3DCCD1}">
+              <a14:hiddenFill xmlns:a14="http://schemas.microsoft.com/office/drawing/2010/main">
+                <a:solidFill>
+                  <a:srgbClr val="FFFFFF"/>
+                </a:solidFill>
+              </a14:hiddenFill>
+            </a:ext>
+          </a:extLst>
+        </p:spPr>
+      </p:pic>
+      <p:pic>
+        <p:nvPicPr>
+          <p:cNvPr id="2" name="Picture 1">
+            <a:extLst>
+              <a:ext uri="{FF2B5EF4-FFF2-40B4-BE49-F238E27FC236}">
+                <a16:creationId xmlns:a16="http://schemas.microsoft.com/office/drawing/2014/main" id="{94C46BD8-75D1-C099-23B0-8A3692122DB7}"/>
+              </a:ext>
+            </a:extLst>
+          </p:cNvPr>
+          <p:cNvPicPr>
+            <a:picLocks noChangeAspect="1"/>
+          </p:cNvPicPr>
+          <p:nvPr/>
+        </p:nvPicPr>
+        <p:blipFill rotWithShape="1">
+          <a:blip r:embed="rId3"/>
+          <a:srcRect l="18980" r="26921" b="-1"/>
+          <a:stretch/>
+        </p:blipFill>
+        <p:spPr>
+          <a:xfrm>
+            <a:off x="6256867" y="956945"/>
+            <a:ext cx="4944107" cy="4944110"/>
+          </a:xfrm>
+          <a:custGeom>
+            <a:avLst/>
+            <a:gdLst/>
+            <a:ahLst/>
+            <a:cxnLst/>
+            <a:rect l="l" t="t" r="r" b="b"/>
+            <a:pathLst>
+              <a:path w="4627646" h="4627648">
+                <a:moveTo>
+                  <a:pt x="2313823" y="0"/>
+                </a:moveTo>
+                <a:cubicBezTo>
+                  <a:pt x="3591712" y="0"/>
+                  <a:pt x="4627646" y="1035934"/>
+                  <a:pt x="4627646" y="2313824"/>
+                </a:cubicBezTo>
+                <a:cubicBezTo>
+                  <a:pt x="4627646" y="3591714"/>
+                  <a:pt x="3591712" y="4627648"/>
+                  <a:pt x="2313823" y="4627648"/>
+                </a:cubicBezTo>
+                <a:cubicBezTo>
+                  <a:pt x="1035934" y="4627648"/>
+                  <a:pt x="0" y="3591714"/>
+                  <a:pt x="0" y="2313824"/>
+                </a:cubicBezTo>
+                <a:cubicBezTo>
+                  <a:pt x="0" y="1035934"/>
+                  <a:pt x="1035934" y="0"/>
+                  <a:pt x="2313823" y="0"/>
+                </a:cubicBezTo>
+                <a:close/>
+              </a:path>
+            </a:pathLst>
+          </a:custGeom>
+        </p:spPr>
+      </p:pic>
     </p:spTree>
     <p:extLst>
       <p:ext uri="{BB962C8B-B14F-4D97-AF65-F5344CB8AC3E}">
@@ -5586,9 +5765,10 @@
           <a:lstStyle/>
           <a:p>
             <a:r>
-              <a:rPr lang="en-US" dirty="0"/>
+              <a:rPr lang="en-US"/>
               <a:t>VR Application</a:t>
             </a:r>
+            <a:endParaRPr lang="en-US" dirty="0"/>
           </a:p>
         </p:txBody>
       </p:sp>
@@ -5610,46 +5790,57 @@
         </p:nvSpPr>
         <p:spPr/>
         <p:txBody>
-          <a:bodyPr/>
+          <a:bodyPr>
+            <a:normAutofit lnSpcReduction="10000"/>
+          </a:bodyPr>
           <a:lstStyle/>
           <a:p>
-            <a:endParaRPr lang="en-US" dirty="0"/>
+            <a:r>
+              <a:rPr lang="en-US" dirty="0"/>
+              <a:t>With VR - Oculus headset, the patient will feel to exist in  a hospital environment where the patient will play as an avatar and there is also a doctor avatar.</a:t>
+            </a:r>
+          </a:p>
+          <a:p>
+            <a:r>
+              <a:rPr lang="en-US" dirty="0"/>
+              <a:t>The doctor avatar will ask the patient about memory related questions and patient’s response will be converted from speech to text </a:t>
+            </a:r>
+          </a:p>
+          <a:p>
+            <a:r>
+              <a:rPr lang="en-US" dirty="0"/>
+              <a:t>From the response text of the patient, coherence and cognitive ability will be evaluated in the backend part.  </a:t>
+            </a:r>
           </a:p>
         </p:txBody>
       </p:sp>
       <p:pic>
         <p:nvPicPr>
-          <p:cNvPr id="5" name="Content Placeholder 4">
-            <a:extLst>
-              <a:ext uri="{FF2B5EF4-FFF2-40B4-BE49-F238E27FC236}">
-                <a16:creationId xmlns:a16="http://schemas.microsoft.com/office/drawing/2014/main" id="{631C3454-FEEC-CC66-776B-1337C6CCD404}"/>
+          <p:cNvPr id="10" name="Content Placeholder 9" descr="A picture containing wall, indoor, ceiling">
+            <a:extLst>
+              <a:ext uri="{FF2B5EF4-FFF2-40B4-BE49-F238E27FC236}">
+                <a16:creationId xmlns:a16="http://schemas.microsoft.com/office/drawing/2014/main" id="{779739C2-D445-5901-1FAE-916601BE49E2}"/>
               </a:ext>
             </a:extLst>
           </p:cNvPr>
           <p:cNvPicPr>
-            <a:picLocks noGrp="1"/>
+            <a:picLocks noGrp="1" noChangeAspect="1"/>
           </p:cNvPicPr>
           <p:nvPr>
             <p:ph sz="half" idx="2"/>
           </p:nvPr>
         </p:nvPicPr>
         <p:blipFill>
-          <a:blip r:embed="rId2">
-            <a:alphaModFix amt="0"/>
-          </a:blip>
-          <a:stretch/>
+          <a:blip r:embed="rId2"/>
+          <a:stretch>
+            <a:fillRect/>
+          </a:stretch>
         </p:blipFill>
         <p:spPr>
           <a:xfrm>
-            <a:off x="6172200" y="2221898"/>
-            <a:ext cx="5181600" cy="3558791"/>
-          </a:xfrm>
-          <a:prstGeom prst="rect">
-            <a:avLst/>
-          </a:prstGeom>
-          <a:ln w="0">
-            <a:noFill/>
-          </a:ln>
+            <a:off x="6096000" y="1739455"/>
+            <a:ext cx="6019531" cy="4134571"/>
+          </a:xfrm>
         </p:spPr>
       </p:pic>
     </p:spTree>
